--- a/Plante/presentation.pptx
+++ b/Plante/presentation.pptx
@@ -109,6 +109,11 @@
       </a:defRPr>
     </a:lvl9pPr>
   </p:defaultTextStyle>
+  <p:extLst>
+    <p:ext uri="{EFAFB233-063F-42B5-8137-9DF3F51BA10A}">
+      <p15:sldGuideLst xmlns:p15="http://schemas.microsoft.com/office/powerpoint/2012/main"/>
+    </p:ext>
+  </p:extLst>
 </p:presentation>
 </file>
 
@@ -207,7 +212,7 @@
           <a:effectLst/>
           <a:extLst>
             <a:ext uri="{91240B29-F687-4f45-9708-019B960494DF}">
-              <a14:hiddenLine xmlns:a14="http://schemas.microsoft.com/office/drawing/2010/main" xmlns="" w="9525">
+              <a14:hiddenLine xmlns="" xmlns:a14="http://schemas.microsoft.com/office/drawing/2010/main" w="9525">
                 <a:solidFill>
                   <a:srgbClr val="000000"/>
                 </a:solidFill>
@@ -400,7 +405,7 @@
             <a:fld id="{08B9EBBA-996F-894A-B54A-D6246ED52CEA}" type="datetimeFigureOut">
               <a:rPr lang="en-US" smtClean="0"/>
               <a:pPr/>
-              <a:t>6/23/19</a:t>
+              <a:t>6/24/19</a:t>
             </a:fld>
             <a:endParaRPr lang="en-US" dirty="0"/>
           </a:p>
@@ -720,7 +725,7 @@
             <a:fld id="{09B482E8-6E0E-1B4F-B1FD-C69DB9E858D9}" type="datetimeFigureOut">
               <a:rPr lang="en-US" smtClean="0"/>
               <a:pPr/>
-              <a:t>6/23/19</a:t>
+              <a:t>6/24/19</a:t>
             </a:fld>
             <a:endParaRPr lang="en-US" dirty="0"/>
           </a:p>
@@ -1211,7 +1216,7 @@
             <a:fld id="{09B482E8-6E0E-1B4F-B1FD-C69DB9E858D9}" type="datetimeFigureOut">
               <a:rPr lang="en-US" smtClean="0"/>
               <a:pPr/>
-              <a:t>6/23/19</a:t>
+              <a:t>6/24/19</a:t>
             </a:fld>
             <a:endParaRPr lang="en-US" dirty="0"/>
           </a:p>
@@ -1583,7 +1588,7 @@
             <a:fld id="{09B482E8-6E0E-1B4F-B1FD-C69DB9E858D9}" type="datetimeFigureOut">
               <a:rPr lang="en-US" smtClean="0"/>
               <a:pPr/>
-              <a:t>6/23/19</a:t>
+              <a:t>6/24/19</a:t>
             </a:fld>
             <a:endParaRPr lang="en-US" dirty="0"/>
           </a:p>
@@ -1740,7 +1745,7 @@
           <a:ln/>
           <a:extLst>
             <a:ext uri="{91240B29-F687-4f45-9708-019B960494DF}">
-              <a14:hiddenLine xmlns:a14="http://schemas.microsoft.com/office/drawing/2010/main" xmlns="" w="9525">
+              <a14:hiddenLine xmlns="" xmlns:a14="http://schemas.microsoft.com/office/drawing/2010/main" w="9525">
                 <a:solidFill>
                   <a:srgbClr val="000000"/>
                 </a:solidFill>
@@ -1859,7 +1864,7 @@
             <a:fld id="{C6C52C72-DE31-F449-A4ED-4C594FD91407}" type="datetimeFigureOut">
               <a:rPr lang="en-US" smtClean="0"/>
               <a:pPr/>
-              <a:t>6/23/19</a:t>
+              <a:t>6/24/19</a:t>
             </a:fld>
             <a:endParaRPr lang="en-US" dirty="0"/>
           </a:p>
@@ -2017,7 +2022,7 @@
           <a:ln/>
           <a:extLst>
             <a:ext uri="{91240B29-F687-4f45-9708-019B960494DF}">
-              <a14:hiddenLine xmlns:a14="http://schemas.microsoft.com/office/drawing/2010/main" xmlns="" w="9525">
+              <a14:hiddenLine xmlns="" xmlns:a14="http://schemas.microsoft.com/office/drawing/2010/main" w="9525">
                 <a:solidFill>
                   <a:srgbClr val="000000"/>
                 </a:solidFill>
@@ -2146,7 +2151,7 @@
             <a:fld id="{ED62726E-379B-B349-9EED-81ED093FA806}" type="datetimeFigureOut">
               <a:rPr lang="en-US" smtClean="0"/>
               <a:pPr/>
-              <a:t>6/23/19</a:t>
+              <a:t>6/24/19</a:t>
             </a:fld>
             <a:endParaRPr lang="en-US" dirty="0"/>
           </a:p>
@@ -2302,7 +2307,7 @@
           <a:ln/>
           <a:extLst>
             <a:ext uri="{91240B29-F687-4f45-9708-019B960494DF}">
-              <a14:hiddenLine xmlns:a14="http://schemas.microsoft.com/office/drawing/2010/main" xmlns="" w="9525">
+              <a14:hiddenLine xmlns="" xmlns:a14="http://schemas.microsoft.com/office/drawing/2010/main" w="9525">
                 <a:solidFill>
                   <a:srgbClr val="000000"/>
                 </a:solidFill>
@@ -2431,7 +2436,7 @@
             <a:fld id="{9B3A1323-8D79-1946-B0D7-40001CF92E9D}" type="datetimeFigureOut">
               <a:rPr lang="en-US" smtClean="0"/>
               <a:pPr/>
-              <a:t>6/23/19</a:t>
+              <a:t>6/24/19</a:t>
             </a:fld>
             <a:endParaRPr lang="en-US" dirty="0"/>
           </a:p>
@@ -2776,7 +2781,7 @@
             <a:fld id="{8DFA1846-DA80-1C48-A609-854EA85C59AD}" type="datetimeFigureOut">
               <a:rPr lang="en-US" smtClean="0"/>
               <a:pPr/>
-              <a:t>6/23/19</a:t>
+              <a:t>6/24/19</a:t>
             </a:fld>
             <a:endParaRPr lang="en-US" dirty="0"/>
           </a:p>
@@ -2932,7 +2937,7 @@
           <a:ln/>
           <a:extLst>
             <a:ext uri="{91240B29-F687-4f45-9708-019B960494DF}">
-              <a14:hiddenLine xmlns:a14="http://schemas.microsoft.com/office/drawing/2010/main" xmlns="" w="9525">
+              <a14:hiddenLine xmlns="" xmlns:a14="http://schemas.microsoft.com/office/drawing/2010/main" w="9525">
                 <a:solidFill>
                   <a:srgbClr val="000000"/>
                 </a:solidFill>
@@ -3117,7 +3122,7 @@
             <a:fld id="{57302355-E14B-8545-A8F8-0FE83CC9D524}" type="datetimeFigureOut">
               <a:rPr lang="en-US" smtClean="0"/>
               <a:pPr/>
-              <a:t>6/23/19</a:t>
+              <a:t>6/24/19</a:t>
             </a:fld>
             <a:endParaRPr lang="en-US" dirty="0"/>
           </a:p>
@@ -3273,7 +3278,7 @@
           <a:ln/>
           <a:extLst>
             <a:ext uri="{91240B29-F687-4f45-9708-019B960494DF}">
-              <a14:hiddenLine xmlns:a14="http://schemas.microsoft.com/office/drawing/2010/main" xmlns="" w="9525">
+              <a14:hiddenLine xmlns="" xmlns:a14="http://schemas.microsoft.com/office/drawing/2010/main" w="9525">
                 <a:solidFill>
                   <a:srgbClr val="000000"/>
                 </a:solidFill>
@@ -3596,7 +3601,7 @@
             <a:fld id="{02640F58-564D-2B4F-AE67-E407BA4FCF45}" type="datetimeFigureOut">
               <a:rPr lang="en-US" smtClean="0"/>
               <a:pPr/>
-              <a:t>6/23/19</a:t>
+              <a:t>6/24/19</a:t>
             </a:fld>
             <a:endParaRPr lang="en-US" dirty="0"/>
           </a:p>
@@ -3752,7 +3757,7 @@
           <a:ln/>
           <a:extLst>
             <a:ext uri="{91240B29-F687-4f45-9708-019B960494DF}">
-              <a14:hiddenLine xmlns:a14="http://schemas.microsoft.com/office/drawing/2010/main" xmlns="" w="9525">
+              <a14:hiddenLine xmlns="" xmlns:a14="http://schemas.microsoft.com/office/drawing/2010/main" w="9525">
                 <a:solidFill>
                   <a:srgbClr val="000000"/>
                 </a:solidFill>
@@ -3819,7 +3824,7 @@
             <a:fld id="{F13A34C8-038E-2045-AF43-DF7DBB8E0E9E}" type="datetimeFigureOut">
               <a:rPr lang="en-US" smtClean="0"/>
               <a:pPr/>
-              <a:t>6/23/19</a:t>
+              <a:t>6/24/19</a:t>
             </a:fld>
             <a:endParaRPr lang="en-US" dirty="0"/>
           </a:p>
@@ -3916,7 +3921,7 @@
             <a:fld id="{8818C68F-D26B-8F47-958C-23B49CF8A634}" type="datetimeFigureOut">
               <a:rPr lang="en-US" smtClean="0"/>
               <a:pPr/>
-              <a:t>6/23/19</a:t>
+              <a:t>6/24/19</a:t>
             </a:fld>
             <a:endParaRPr lang="en-US" dirty="0"/>
           </a:p>
@@ -4185,7 +4190,7 @@
           <a:ln/>
           <a:extLst>
             <a:ext uri="{91240B29-F687-4f45-9708-019B960494DF}">
-              <a14:hiddenLine xmlns:a14="http://schemas.microsoft.com/office/drawing/2010/main" xmlns="" w="9525">
+              <a14:hiddenLine xmlns="" xmlns:a14="http://schemas.microsoft.com/office/drawing/2010/main" w="9525">
                 <a:solidFill>
                   <a:srgbClr val="000000"/>
                 </a:solidFill>
@@ -4385,7 +4390,7 @@
             <a:fld id="{D0DF5E60-9974-AC48-9591-99C2BB44B7CF}" type="datetimeFigureOut">
               <a:rPr lang="en-US" smtClean="0"/>
               <a:pPr/>
-              <a:t>6/23/19</a:t>
+              <a:t>6/24/19</a:t>
             </a:fld>
             <a:endParaRPr lang="en-US" dirty="0"/>
           </a:p>
@@ -4700,7 +4705,7 @@
             <a:fld id="{09B482E8-6E0E-1B4F-B1FD-C69DB9E858D9}" type="datetimeFigureOut">
               <a:rPr lang="en-US" smtClean="0"/>
               <a:pPr/>
-              <a:t>6/23/19</a:t>
+              <a:t>6/24/19</a:t>
             </a:fld>
             <a:endParaRPr lang="en-US" dirty="0"/>
           </a:p>
@@ -4973,7 +4978,7 @@
             <a:fld id="{09B482E8-6E0E-1B4F-B1FD-C69DB9E858D9}" type="datetimeFigureOut">
               <a:rPr lang="en-US" smtClean="0"/>
               <a:pPr/>
-              <a:t>6/23/19</a:t>
+              <a:t>6/24/19</a:t>
             </a:fld>
             <a:endParaRPr lang="en-US" dirty="0"/>
           </a:p>
@@ -5527,7 +5532,7 @@
           <a:effectLst/>
           <a:extLst>
             <a:ext uri="{91240B29-F687-4f45-9708-019B960494DF}">
-              <a14:hiddenLine xmlns="" xmlns:a16="http://schemas.microsoft.com/office/drawing/2014/main" xmlns:p14="http://schemas.microsoft.com/office/powerpoint/2010/main" xmlns:a14="http://schemas.microsoft.com/office/drawing/2010/main" w="9525">
+              <a14:hiddenLine xmlns:a14="http://schemas.microsoft.com/office/drawing/2010/main" xmlns:p14="http://schemas.microsoft.com/office/powerpoint/2010/main" xmlns:a16="http://schemas.microsoft.com/office/drawing/2014/main" xmlns="" w="9525">
                 <a:solidFill>
                   <a:srgbClr val="000000"/>
                 </a:solidFill>
@@ -5676,8 +5681,9 @@
           <a:p>
             <a:r>
               <a:rPr lang="en-US" sz="5400"/>
-              <a:t>Plante connectée</a:t>
-            </a:r>
+              <a:t>ConnectedFlower</a:t>
+            </a:r>
+            <a:endParaRPr lang="en-US" sz="5400" dirty="0"/>
           </a:p>
         </p:txBody>
       </p:sp>
@@ -5814,7 +5820,7 @@
           <a:effectLst/>
           <a:extLst>
             <a:ext uri="{91240B29-F687-4f45-9708-019B960494DF}">
-              <a14:hiddenLine xmlns="" xmlns:a16="http://schemas.microsoft.com/office/drawing/2014/main" xmlns:p14="http://schemas.microsoft.com/office/powerpoint/2010/main" xmlns:a14="http://schemas.microsoft.com/office/drawing/2010/main" w="9525">
+              <a14:hiddenLine xmlns:a14="http://schemas.microsoft.com/office/drawing/2010/main" xmlns:p14="http://schemas.microsoft.com/office/powerpoint/2010/main" xmlns:a16="http://schemas.microsoft.com/office/drawing/2014/main" xmlns="" w="9525">
                 <a:solidFill>
                   <a:srgbClr val="000000"/>
                 </a:solidFill>
@@ -6184,15 +6190,7 @@
           <a:p>
             <a:r>
               <a:rPr lang="fr-FR" dirty="0"/>
-              <a:t>Nous nous sommes basé principalement sur un script en C que nous avions créé </a:t>
-            </a:r>
-            <a:r>
-              <a:rPr lang="fr-FR" dirty="0" err="1"/>
-              <a:t>pendanr</a:t>
-            </a:r>
-            <a:r>
-              <a:rPr lang="fr-FR" dirty="0"/>
-              <a:t> les cours. Le système en lui-même fonctionne avec ou sans </a:t>
+              <a:t>Nous nous sommes basé principalement sur un script en C que nous avions créé pendant les cours. Le système en lui-même fonctionne avec ou sans </a:t>
             </a:r>
             <a:r>
               <a:rPr lang="fr-FR" dirty="0" err="1"/>
@@ -6338,7 +6336,7 @@
           <a:effectLst/>
           <a:extLst>
             <a:ext uri="{91240B29-F687-4f45-9708-019B960494DF}">
-              <a14:hiddenLine xmlns="" xmlns:a16="http://schemas.microsoft.com/office/drawing/2014/main" xmlns:p14="http://schemas.microsoft.com/office/powerpoint/2010/main" xmlns:a14="http://schemas.microsoft.com/office/drawing/2010/main" w="9525">
+              <a14:hiddenLine xmlns:a14="http://schemas.microsoft.com/office/drawing/2010/main" xmlns:p14="http://schemas.microsoft.com/office/powerpoint/2010/main" xmlns:a16="http://schemas.microsoft.com/office/drawing/2014/main" xmlns="" w="9525">
                 <a:solidFill>
                   <a:srgbClr val="000000"/>
                 </a:solidFill>
@@ -6393,8 +6391,12 @@
           <a:lstStyle/>
           <a:p>
             <a:r>
-              <a:rPr lang="en-US" sz="5400"/>
-              <a:t>Connexion sur site</a:t>
+              <a:rPr lang="en-US" sz="5400" dirty="0" err="1"/>
+              <a:t>Température</a:t>
+            </a:r>
+            <a:r>
+              <a:rPr lang="en-US" sz="5400" dirty="0"/>
+              <a:t> sur page</a:t>
             </a:r>
           </a:p>
         </p:txBody>
@@ -7027,7 +7029,7 @@
           <a:effectLst/>
           <a:extLst>
             <a:ext uri="{91240B29-F687-4f45-9708-019B960494DF}">
-              <a14:hiddenLine xmlns="" xmlns:a16="http://schemas.microsoft.com/office/drawing/2014/main" xmlns:p14="http://schemas.microsoft.com/office/powerpoint/2010/main" xmlns:a14="http://schemas.microsoft.com/office/drawing/2010/main" w="9525">
+              <a14:hiddenLine xmlns:a14="http://schemas.microsoft.com/office/drawing/2010/main" xmlns:p14="http://schemas.microsoft.com/office/powerpoint/2010/main" xmlns:a16="http://schemas.microsoft.com/office/drawing/2014/main" xmlns="" w="9525">
                 <a:solidFill>
                   <a:srgbClr val="000000"/>
                 </a:solidFill>
